--- a/Livro.ppt.pptx
+++ b/Livro.ppt.pptx
@@ -104,6 +104,11 @@
       </a:defRPr>
     </a:lvl9pPr>
   </p:defaultTextStyle>
+  <p:extLst>
+    <p:ext uri="{EFAFB233-063F-42B5-8137-9DF3F51BA10A}">
+      <p15:sldGuideLst xmlns:p15="http://schemas.microsoft.com/office/powerpoint/2012/main"/>
+    </p:ext>
+  </p:extLst>
 </p:presentation>
 </file>
 
@@ -3003,8 +3008,8 @@
         </p:nvSpPr>
         <p:spPr>
           <a:xfrm>
-            <a:off x="9998581" y="347388"/>
-            <a:ext cx="1555334" cy="646331"/>
+            <a:off x="9802026" y="449938"/>
+            <a:ext cx="1820256" cy="1200329"/>
           </a:xfrm>
           <a:prstGeom prst="rect">
             <a:avLst/>
@@ -3018,10 +3023,46 @@
           <a:lstStyle/>
           <a:p>
             <a:r>
-              <a:rPr lang="pt-BR" sz="3600" dirty="0" smtClean="0"/>
-              <a:t>CAP 1</a:t>
+              <a:rPr lang="pt-BR" sz="3600" dirty="0" smtClean="0">
+                <a:hlinkClick r:id="rId2" action="ppaction://hlinkfile"/>
+              </a:rPr>
+              <a:t>Cap1.doc.docx</a:t>
             </a:r>
             <a:endParaRPr lang="pt-BR" sz="3600" dirty="0"/>
+          </a:p>
+        </p:txBody>
+      </p:sp>
+      <p:sp>
+        <p:nvSpPr>
+          <p:cNvPr id="3" name="CaixaDeTexto 2">
+            <a:hlinkClick r:id="rId3" action="ppaction://hlinkfile"/>
+          </p:cNvPr>
+          <p:cNvSpPr txBox="1"/>
+          <p:nvPr/>
+        </p:nvSpPr>
+        <p:spPr>
+          <a:xfrm>
+            <a:off x="9827664" y="2196269"/>
+            <a:ext cx="1580972" cy="1077218"/>
+          </a:xfrm>
+          <a:prstGeom prst="rect">
+            <a:avLst/>
+          </a:prstGeom>
+          <a:noFill/>
+        </p:spPr>
+        <p:txBody>
+          <a:bodyPr wrap="square" rtlCol="0">
+            <a:spAutoFit/>
+          </a:bodyPr>
+          <a:lstStyle/>
+          <a:p>
+            <a:r>
+              <a:rPr lang="pt-BR" sz="3200" dirty="0" smtClean="0">
+                <a:hlinkClick r:id="rId3" action="ppaction://hlinkfile"/>
+              </a:rPr>
+              <a:t>Cap2.doc.docx</a:t>
+            </a:r>
+            <a:endParaRPr lang="pt-BR" sz="3200" dirty="0"/>
           </a:p>
         </p:txBody>
       </p:sp>

--- a/Livro.ppt.pptx
+++ b/Livro.ppt.pptx
@@ -3066,6 +3066,40 @@
           </a:p>
         </p:txBody>
       </p:sp>
+      <p:sp>
+        <p:nvSpPr>
+          <p:cNvPr id="2" name="CaixaDeTexto 1">
+            <a:hlinkClick r:id="rId4" action="ppaction://hlinkfile"/>
+          </p:cNvPr>
+          <p:cNvSpPr txBox="1"/>
+          <p:nvPr/>
+        </p:nvSpPr>
+        <p:spPr>
+          <a:xfrm>
+            <a:off x="9810572" y="3905427"/>
+            <a:ext cx="1786071" cy="1077218"/>
+          </a:xfrm>
+          <a:prstGeom prst="rect">
+            <a:avLst/>
+          </a:prstGeom>
+          <a:noFill/>
+        </p:spPr>
+        <p:txBody>
+          <a:bodyPr wrap="square" rtlCol="0">
+            <a:spAutoFit/>
+          </a:bodyPr>
+          <a:lstStyle/>
+          <a:p>
+            <a:r>
+              <a:rPr lang="pt-BR" sz="3200" dirty="0" smtClean="0">
+                <a:hlinkClick r:id="rId4" action="ppaction://hlinkfile"/>
+              </a:rPr>
+              <a:t>Cap3.doc.docx</a:t>
+            </a:r>
+            <a:endParaRPr lang="pt-BR" sz="3200" dirty="0"/>
+          </a:p>
+        </p:txBody>
+      </p:sp>
     </p:spTree>
     <p:extLst>
       <p:ext uri="{BB962C8B-B14F-4D97-AF65-F5344CB8AC3E}">

--- a/Livro.ppt.pptx
+++ b/Livro.ppt.pptx
@@ -104,6 +104,11 @@
       </a:defRPr>
     </a:lvl9pPr>
   </p:defaultTextStyle>
+  <p:extLst>
+    <p:ext uri="{EFAFB233-063F-42B5-8137-9DF3F51BA10A}">
+      <p15:sldGuideLst xmlns:p15="http://schemas.microsoft.com/office/powerpoint/2012/main"/>
+    </p:ext>
+  </p:extLst>
 </p:presentation>
 </file>
 
@@ -3003,8 +3008,8 @@
         </p:nvSpPr>
         <p:spPr>
           <a:xfrm>
-            <a:off x="9998581" y="347388"/>
-            <a:ext cx="1555334" cy="646331"/>
+            <a:off x="9802026" y="449938"/>
+            <a:ext cx="1820256" cy="1200329"/>
           </a:xfrm>
           <a:prstGeom prst="rect">
             <a:avLst/>
@@ -3018,10 +3023,80 @@
           <a:lstStyle/>
           <a:p>
             <a:r>
-              <a:rPr lang="pt-BR" sz="3600" dirty="0" smtClean="0"/>
-              <a:t>CAP 1</a:t>
+              <a:rPr lang="pt-BR" sz="3600" dirty="0" smtClean="0">
+                <a:hlinkClick r:id="rId2" action="ppaction://hlinkfile"/>
+              </a:rPr>
+              <a:t>Cap1.doc.docx</a:t>
             </a:r>
             <a:endParaRPr lang="pt-BR" sz="3600" dirty="0"/>
+          </a:p>
+        </p:txBody>
+      </p:sp>
+      <p:sp>
+        <p:nvSpPr>
+          <p:cNvPr id="3" name="CaixaDeTexto 2">
+            <a:hlinkClick r:id="rId3" action="ppaction://hlinkfile"/>
+          </p:cNvPr>
+          <p:cNvSpPr txBox="1"/>
+          <p:nvPr/>
+        </p:nvSpPr>
+        <p:spPr>
+          <a:xfrm>
+            <a:off x="9827664" y="2196269"/>
+            <a:ext cx="1580972" cy="1077218"/>
+          </a:xfrm>
+          <a:prstGeom prst="rect">
+            <a:avLst/>
+          </a:prstGeom>
+          <a:noFill/>
+        </p:spPr>
+        <p:txBody>
+          <a:bodyPr wrap="square" rtlCol="0">
+            <a:spAutoFit/>
+          </a:bodyPr>
+          <a:lstStyle/>
+          <a:p>
+            <a:r>
+              <a:rPr lang="pt-BR" sz="3200" dirty="0" smtClean="0">
+                <a:hlinkClick r:id="rId3" action="ppaction://hlinkfile"/>
+              </a:rPr>
+              <a:t>Cap2.doc.docx</a:t>
+            </a:r>
+            <a:endParaRPr lang="pt-BR" sz="3200" dirty="0"/>
+          </a:p>
+        </p:txBody>
+      </p:sp>
+      <p:sp>
+        <p:nvSpPr>
+          <p:cNvPr id="2" name="CaixaDeTexto 1">
+            <a:hlinkClick r:id="rId4" action="ppaction://hlinkfile"/>
+          </p:cNvPr>
+          <p:cNvSpPr txBox="1"/>
+          <p:nvPr/>
+        </p:nvSpPr>
+        <p:spPr>
+          <a:xfrm>
+            <a:off x="9810572" y="3905427"/>
+            <a:ext cx="1786071" cy="1077218"/>
+          </a:xfrm>
+          <a:prstGeom prst="rect">
+            <a:avLst/>
+          </a:prstGeom>
+          <a:noFill/>
+        </p:spPr>
+        <p:txBody>
+          <a:bodyPr wrap="square" rtlCol="0">
+            <a:spAutoFit/>
+          </a:bodyPr>
+          <a:lstStyle/>
+          <a:p>
+            <a:r>
+              <a:rPr lang="pt-BR" sz="3200" dirty="0" smtClean="0">
+                <a:hlinkClick r:id="rId4" action="ppaction://hlinkfile"/>
+              </a:rPr>
+              <a:t>Cap3.doc.docx</a:t>
+            </a:r>
+            <a:endParaRPr lang="pt-BR" sz="3200" dirty="0"/>
           </a:p>
         </p:txBody>
       </p:sp>
